--- a/Lab1/WeatherStationArchitecture-289C913D.pptx
+++ b/Lab1/WeatherStationArchitecture-289C913D.pptx
@@ -105,6 +105,11 @@
       </a:defRPr>
     </a:lvl9pPr>
   </p:defaultTextStyle>
+  <p:extLst>
+    <p:ext uri="{EFAFB233-063F-42B5-8137-9DF3F51BA10A}">
+      <p15:sldGuideLst xmlns:p15="http://schemas.microsoft.com/office/powerpoint/2012/main"/>
+    </p:ext>
+  </p:extLst>
 </p:presentation>
 </file>
 
@@ -239,7 +244,7 @@
           <a:p>
             <a:fld id="{2A0DA38A-691C-49E8-8716-1E96206D1BC1}" type="datetimeFigureOut">
               <a:rPr lang="es-ES" smtClean="0"/>
-              <a:t>27/12/2019</a:t>
+              <a:t>29/12/2019</a:t>
             </a:fld>
             <a:endParaRPr lang="es-ES"/>
           </a:p>
@@ -409,7 +414,7 @@
           <a:p>
             <a:fld id="{2A0DA38A-691C-49E8-8716-1E96206D1BC1}" type="datetimeFigureOut">
               <a:rPr lang="es-ES" smtClean="0"/>
-              <a:t>27/12/2019</a:t>
+              <a:t>29/12/2019</a:t>
             </a:fld>
             <a:endParaRPr lang="es-ES"/>
           </a:p>
@@ -589,7 +594,7 @@
           <a:p>
             <a:fld id="{2A0DA38A-691C-49E8-8716-1E96206D1BC1}" type="datetimeFigureOut">
               <a:rPr lang="es-ES" smtClean="0"/>
-              <a:t>27/12/2019</a:t>
+              <a:t>29/12/2019</a:t>
             </a:fld>
             <a:endParaRPr lang="es-ES"/>
           </a:p>
@@ -759,7 +764,7 @@
           <a:p>
             <a:fld id="{2A0DA38A-691C-49E8-8716-1E96206D1BC1}" type="datetimeFigureOut">
               <a:rPr lang="es-ES" smtClean="0"/>
-              <a:t>27/12/2019</a:t>
+              <a:t>29/12/2019</a:t>
             </a:fld>
             <a:endParaRPr lang="es-ES"/>
           </a:p>
@@ -1005,7 +1010,7 @@
           <a:p>
             <a:fld id="{2A0DA38A-691C-49E8-8716-1E96206D1BC1}" type="datetimeFigureOut">
               <a:rPr lang="es-ES" smtClean="0"/>
-              <a:t>27/12/2019</a:t>
+              <a:t>29/12/2019</a:t>
             </a:fld>
             <a:endParaRPr lang="es-ES"/>
           </a:p>
@@ -1237,7 +1242,7 @@
           <a:p>
             <a:fld id="{2A0DA38A-691C-49E8-8716-1E96206D1BC1}" type="datetimeFigureOut">
               <a:rPr lang="es-ES" smtClean="0"/>
-              <a:t>27/12/2019</a:t>
+              <a:t>29/12/2019</a:t>
             </a:fld>
             <a:endParaRPr lang="es-ES"/>
           </a:p>
@@ -1604,7 +1609,7 @@
           <a:p>
             <a:fld id="{2A0DA38A-691C-49E8-8716-1E96206D1BC1}" type="datetimeFigureOut">
               <a:rPr lang="es-ES" smtClean="0"/>
-              <a:t>27/12/2019</a:t>
+              <a:t>29/12/2019</a:t>
             </a:fld>
             <a:endParaRPr lang="es-ES"/>
           </a:p>
@@ -1722,7 +1727,7 @@
           <a:p>
             <a:fld id="{2A0DA38A-691C-49E8-8716-1E96206D1BC1}" type="datetimeFigureOut">
               <a:rPr lang="es-ES" smtClean="0"/>
-              <a:t>27/12/2019</a:t>
+              <a:t>29/12/2019</a:t>
             </a:fld>
             <a:endParaRPr lang="es-ES"/>
           </a:p>
@@ -1817,7 +1822,7 @@
           <a:p>
             <a:fld id="{2A0DA38A-691C-49E8-8716-1E96206D1BC1}" type="datetimeFigureOut">
               <a:rPr lang="es-ES" smtClean="0"/>
-              <a:t>27/12/2019</a:t>
+              <a:t>29/12/2019</a:t>
             </a:fld>
             <a:endParaRPr lang="es-ES"/>
           </a:p>
@@ -2094,7 +2099,7 @@
           <a:p>
             <a:fld id="{2A0DA38A-691C-49E8-8716-1E96206D1BC1}" type="datetimeFigureOut">
               <a:rPr lang="es-ES" smtClean="0"/>
-              <a:t>27/12/2019</a:t>
+              <a:t>29/12/2019</a:t>
             </a:fld>
             <a:endParaRPr lang="es-ES"/>
           </a:p>
@@ -2347,7 +2352,7 @@
           <a:p>
             <a:fld id="{2A0DA38A-691C-49E8-8716-1E96206D1BC1}" type="datetimeFigureOut">
               <a:rPr lang="es-ES" smtClean="0"/>
-              <a:t>27/12/2019</a:t>
+              <a:t>29/12/2019</a:t>
             </a:fld>
             <a:endParaRPr lang="es-ES"/>
           </a:p>
@@ -2560,7 +2565,7 @@
           <a:p>
             <a:fld id="{2A0DA38A-691C-49E8-8716-1E96206D1BC1}" type="datetimeFigureOut">
               <a:rPr lang="es-ES" smtClean="0"/>
-              <a:t>27/12/2019</a:t>
+              <a:t>29/12/2019</a:t>
             </a:fld>
             <a:endParaRPr lang="es-ES"/>
           </a:p>
@@ -3154,7 +3159,7 @@
         </p:blipFill>
         <p:spPr>
           <a:xfrm>
-            <a:off x="6963102" y="3352098"/>
+            <a:off x="6973393" y="2682049"/>
             <a:ext cx="1133108" cy="1133108"/>
           </a:xfrm>
           <a:prstGeom prst="rect">
@@ -3184,7 +3189,7 @@
         </p:blipFill>
         <p:spPr>
           <a:xfrm>
-            <a:off x="9719531" y="3300809"/>
+            <a:off x="9748472" y="2630760"/>
             <a:ext cx="1235686" cy="1235686"/>
           </a:xfrm>
           <a:prstGeom prst="rect">
@@ -3199,8 +3204,8 @@
           <p:nvPr/>
         </p:nvSpPr>
         <p:spPr>
-          <a:xfrm>
-            <a:off x="5417284" y="3898687"/>
+          <a:xfrm rot="20118250">
+            <a:off x="5483780" y="3516381"/>
             <a:ext cx="1468315" cy="205214"/>
           </a:xfrm>
           <a:prstGeom prst="rightArrow">
@@ -3240,7 +3245,7 @@
         </p:nvSpPr>
         <p:spPr>
           <a:xfrm>
-            <a:off x="8264487" y="3898687"/>
+            <a:off x="8178858" y="3095595"/>
             <a:ext cx="1468315" cy="205214"/>
           </a:xfrm>
           <a:prstGeom prst="rightArrow">
@@ -3348,7 +3353,7 @@
         </p:nvSpPr>
         <p:spPr>
           <a:xfrm>
-            <a:off x="6822831" y="4727966"/>
+            <a:off x="6834097" y="3714021"/>
             <a:ext cx="1822695" cy="369332"/>
           </a:xfrm>
           <a:prstGeom prst="rect">
@@ -3386,7 +3391,7 @@
         </p:nvSpPr>
         <p:spPr>
           <a:xfrm>
-            <a:off x="9313740" y="4727966"/>
+            <a:off x="9304215" y="3941268"/>
             <a:ext cx="2511913" cy="369332"/>
           </a:xfrm>
           <a:prstGeom prst="rect">
@@ -3409,6 +3414,262 @@
               <a:t> Data Lake Storage</a:t>
             </a:r>
             <a:endParaRPr lang="es-ES" dirty="0"/>
+          </a:p>
+        </p:txBody>
+      </p:sp>
+      <p:pic>
+        <p:nvPicPr>
+          <p:cNvPr id="5" name="Picture 4"/>
+          <p:cNvPicPr>
+            <a:picLocks noChangeAspect="1"/>
+          </p:cNvPicPr>
+          <p:nvPr/>
+        </p:nvPicPr>
+        <p:blipFill>
+          <a:blip r:embed="rId6" cstate="print">
+            <a:extLst>
+              <a:ext uri="{28A0092B-C50C-407E-A947-70E740481C1C}">
+                <a14:useLocalDpi xmlns:a14="http://schemas.microsoft.com/office/drawing/2010/main" val="0"/>
+              </a:ext>
+            </a:extLst>
+          </a:blip>
+          <a:stretch>
+            <a:fillRect/>
+          </a:stretch>
+        </p:blipFill>
+        <p:spPr>
+          <a:xfrm>
+            <a:off x="6996118" y="5202887"/>
+            <a:ext cx="1143399" cy="1143399"/>
+          </a:xfrm>
+          <a:prstGeom prst="rect">
+            <a:avLst/>
+          </a:prstGeom>
+        </p:spPr>
+      </p:pic>
+      <p:sp>
+        <p:nvSpPr>
+          <p:cNvPr id="17" name="Right Arrow 16"/>
+          <p:cNvSpPr/>
+          <p:nvPr/>
+        </p:nvSpPr>
+        <p:spPr>
+          <a:xfrm rot="5400000">
+            <a:off x="7056350" y="4542487"/>
+            <a:ext cx="1078434" cy="201266"/>
+          </a:xfrm>
+          <a:prstGeom prst="rightArrow">
+            <a:avLst/>
+          </a:prstGeom>
+        </p:spPr>
+        <p:style>
+          <a:lnRef idx="2">
+            <a:schemeClr val="accent1">
+              <a:shade val="50000"/>
+            </a:schemeClr>
+          </a:lnRef>
+          <a:fillRef idx="1">
+            <a:schemeClr val="accent1"/>
+          </a:fillRef>
+          <a:effectRef idx="0">
+            <a:schemeClr val="accent1"/>
+          </a:effectRef>
+          <a:fontRef idx="minor">
+            <a:schemeClr val="lt1"/>
+          </a:fontRef>
+        </p:style>
+        <p:txBody>
+          <a:bodyPr rtlCol="0" anchor="ctr"/>
+          <a:lstStyle/>
+          <a:p>
+            <a:pPr algn="ctr"/>
+            <a:endParaRPr lang="es-ES"/>
+          </a:p>
+        </p:txBody>
+      </p:sp>
+      <p:sp>
+        <p:nvSpPr>
+          <p:cNvPr id="18" name="Right Arrow 17"/>
+          <p:cNvSpPr/>
+          <p:nvPr/>
+        </p:nvSpPr>
+        <p:spPr>
+          <a:xfrm rot="12578851">
+            <a:off x="5538246" y="4591044"/>
+            <a:ext cx="1468315" cy="205214"/>
+          </a:xfrm>
+          <a:prstGeom prst="rightArrow">
+            <a:avLst/>
+          </a:prstGeom>
+        </p:spPr>
+        <p:style>
+          <a:lnRef idx="2">
+            <a:schemeClr val="accent1">
+              <a:shade val="50000"/>
+            </a:schemeClr>
+          </a:lnRef>
+          <a:fillRef idx="1">
+            <a:schemeClr val="accent1"/>
+          </a:fillRef>
+          <a:effectRef idx="0">
+            <a:schemeClr val="accent1"/>
+          </a:effectRef>
+          <a:fontRef idx="minor">
+            <a:schemeClr val="lt1"/>
+          </a:fontRef>
+        </p:style>
+        <p:txBody>
+          <a:bodyPr rtlCol="0" anchor="ctr"/>
+          <a:lstStyle/>
+          <a:p>
+            <a:pPr algn="ctr"/>
+            <a:endParaRPr lang="es-ES"/>
+          </a:p>
+        </p:txBody>
+      </p:sp>
+      <p:sp>
+        <p:nvSpPr>
+          <p:cNvPr id="20" name="TextBox 19"/>
+          <p:cNvSpPr txBox="1"/>
+          <p:nvPr/>
+        </p:nvSpPr>
+        <p:spPr>
+          <a:xfrm>
+            <a:off x="6764328" y="6282539"/>
+            <a:ext cx="1662478" cy="369332"/>
+          </a:xfrm>
+          <a:prstGeom prst="rect">
+            <a:avLst/>
+          </a:prstGeom>
+          <a:noFill/>
+        </p:spPr>
+        <p:txBody>
+          <a:bodyPr wrap="square" rtlCol="0">
+            <a:spAutoFit/>
+          </a:bodyPr>
+          <a:lstStyle/>
+          <a:p>
+            <a:r>
+              <a:rPr lang="es-ES" dirty="0" err="1" smtClean="0"/>
+              <a:t>Azure</a:t>
+            </a:r>
+            <a:r>
+              <a:rPr lang="es-ES" dirty="0" smtClean="0"/>
+              <a:t> </a:t>
+            </a:r>
+            <a:r>
+              <a:rPr lang="es-ES" dirty="0" err="1" smtClean="0"/>
+              <a:t>Function</a:t>
+            </a:r>
+            <a:endParaRPr lang="es-ES" dirty="0"/>
+          </a:p>
+        </p:txBody>
+      </p:sp>
+      <p:pic>
+        <p:nvPicPr>
+          <p:cNvPr id="8" name="Picture 7"/>
+          <p:cNvPicPr>
+            <a:picLocks noChangeAspect="1"/>
+          </p:cNvPicPr>
+          <p:nvPr/>
+        </p:nvPicPr>
+        <p:blipFill>
+          <a:blip r:embed="rId7">
+            <a:extLst>
+              <a:ext uri="{28A0092B-C50C-407E-A947-70E740481C1C}">
+                <a14:useLocalDpi xmlns:a14="http://schemas.microsoft.com/office/drawing/2010/main" val="0"/>
+              </a:ext>
+            </a:extLst>
+          </a:blip>
+          <a:stretch>
+            <a:fillRect/>
+          </a:stretch>
+        </p:blipFill>
+        <p:spPr>
+          <a:xfrm>
+            <a:off x="9930486" y="5075310"/>
+            <a:ext cx="1259369" cy="1259369"/>
+          </a:xfrm>
+          <a:prstGeom prst="rect">
+            <a:avLst/>
+          </a:prstGeom>
+        </p:spPr>
+      </p:pic>
+      <p:sp>
+        <p:nvSpPr>
+          <p:cNvPr id="21" name="TextBox 20"/>
+          <p:cNvSpPr txBox="1"/>
+          <p:nvPr/>
+        </p:nvSpPr>
+        <p:spPr>
+          <a:xfrm>
+            <a:off x="9396046" y="6282539"/>
+            <a:ext cx="2624503" cy="369332"/>
+          </a:xfrm>
+          <a:prstGeom prst="rect">
+            <a:avLst/>
+          </a:prstGeom>
+          <a:noFill/>
+        </p:spPr>
+        <p:txBody>
+          <a:bodyPr wrap="square" rtlCol="0">
+            <a:spAutoFit/>
+          </a:bodyPr>
+          <a:lstStyle/>
+          <a:p>
+            <a:r>
+              <a:rPr lang="es-ES" dirty="0" err="1" smtClean="0"/>
+              <a:t>Azure</a:t>
+            </a:r>
+            <a:r>
+              <a:rPr lang="es-ES" dirty="0" smtClean="0"/>
+              <a:t> Data Lake </a:t>
+            </a:r>
+            <a:r>
+              <a:rPr lang="es-ES" dirty="0" err="1" smtClean="0"/>
+              <a:t>Analytics</a:t>
+            </a:r>
+            <a:endParaRPr lang="es-ES" dirty="0"/>
+          </a:p>
+        </p:txBody>
+      </p:sp>
+      <p:sp>
+        <p:nvSpPr>
+          <p:cNvPr id="22" name="Right Arrow 21"/>
+          <p:cNvSpPr/>
+          <p:nvPr/>
+        </p:nvSpPr>
+        <p:spPr>
+          <a:xfrm rot="5400000">
+            <a:off x="10147683" y="4525617"/>
+            <a:ext cx="659134" cy="229100"/>
+          </a:xfrm>
+          <a:prstGeom prst="rightArrow">
+            <a:avLst/>
+          </a:prstGeom>
+        </p:spPr>
+        <p:style>
+          <a:lnRef idx="2">
+            <a:schemeClr val="accent1">
+              <a:shade val="50000"/>
+            </a:schemeClr>
+          </a:lnRef>
+          <a:fillRef idx="1">
+            <a:schemeClr val="accent1"/>
+          </a:fillRef>
+          <a:effectRef idx="0">
+            <a:schemeClr val="accent1"/>
+          </a:effectRef>
+          <a:fontRef idx="minor">
+            <a:schemeClr val="lt1"/>
+          </a:fontRef>
+        </p:style>
+        <p:txBody>
+          <a:bodyPr rtlCol="0" anchor="ctr"/>
+          <a:lstStyle/>
+          <a:p>
+            <a:pPr algn="ctr"/>
+            <a:endParaRPr lang="es-ES"/>
           </a:p>
         </p:txBody>
       </p:sp>
@@ -3486,7 +3747,7 @@
         <p:spPr/>
         <p:txBody>
           <a:bodyPr>
-            <a:normAutofit lnSpcReduction="10000"/>
+            <a:normAutofit fontScale="92500" lnSpcReduction="20000"/>
           </a:bodyPr>
           <a:lstStyle/>
           <a:p>
@@ -4089,7 +4350,161 @@
             </a:r>
             <a:r>
               <a:rPr lang="es-ES" dirty="0" smtClean="0"/>
-              <a:t>use.</a:t>
+              <a:t>use</a:t>
+            </a:r>
+            <a:r>
+              <a:rPr lang="es-ES" dirty="0" smtClean="0"/>
+              <a:t>.</a:t>
+            </a:r>
+          </a:p>
+          <a:p>
+            <a:pPr lvl="1"/>
+            <a:r>
+              <a:rPr lang="es-ES" b="1" dirty="0" err="1" smtClean="0"/>
+              <a:t>Azure</a:t>
+            </a:r>
+            <a:r>
+              <a:rPr lang="es-ES" b="1" dirty="0" smtClean="0"/>
+              <a:t> </a:t>
+            </a:r>
+            <a:r>
+              <a:rPr lang="es-ES" b="1" dirty="0" err="1" smtClean="0"/>
+              <a:t>Function</a:t>
+            </a:r>
+            <a:r>
+              <a:rPr lang="es-ES" dirty="0" smtClean="0"/>
+              <a:t>: </a:t>
+            </a:r>
+            <a:r>
+              <a:rPr lang="es-ES" dirty="0" err="1" smtClean="0"/>
+              <a:t>backend</a:t>
+            </a:r>
+            <a:r>
+              <a:rPr lang="es-ES" dirty="0" smtClean="0"/>
+              <a:t> </a:t>
+            </a:r>
+            <a:r>
+              <a:rPr lang="es-ES" dirty="0" err="1" smtClean="0"/>
+              <a:t>management</a:t>
+            </a:r>
+            <a:r>
+              <a:rPr lang="es-ES" dirty="0" smtClean="0"/>
+              <a:t>, </a:t>
+            </a:r>
+            <a:r>
+              <a:rPr lang="es-ES" dirty="0" err="1" smtClean="0"/>
+              <a:t>take</a:t>
+            </a:r>
+            <a:r>
+              <a:rPr lang="es-ES" dirty="0" smtClean="0"/>
+              <a:t> </a:t>
+            </a:r>
+            <a:r>
+              <a:rPr lang="es-ES" dirty="0" err="1" smtClean="0"/>
+              <a:t>decissions</a:t>
+            </a:r>
+            <a:r>
+              <a:rPr lang="es-ES" dirty="0" smtClean="0"/>
+              <a:t> </a:t>
+            </a:r>
+            <a:r>
+              <a:rPr lang="es-ES" dirty="0" err="1" smtClean="0"/>
+              <a:t>about</a:t>
+            </a:r>
+            <a:r>
+              <a:rPr lang="es-ES" dirty="0" smtClean="0"/>
+              <a:t> </a:t>
+            </a:r>
+            <a:r>
+              <a:rPr lang="es-ES" dirty="0" err="1" smtClean="0"/>
+              <a:t>the</a:t>
+            </a:r>
+            <a:r>
+              <a:rPr lang="es-ES" dirty="0" smtClean="0"/>
+              <a:t> </a:t>
+            </a:r>
+            <a:r>
+              <a:rPr lang="es-ES" dirty="0" err="1" smtClean="0"/>
+              <a:t>current</a:t>
+            </a:r>
+            <a:r>
+              <a:rPr lang="es-ES" dirty="0" smtClean="0"/>
+              <a:t> data and </a:t>
+            </a:r>
+            <a:r>
+              <a:rPr lang="en-US" dirty="0" smtClean="0"/>
+              <a:t>update </a:t>
+            </a:r>
+            <a:r>
+              <a:rPr lang="en-US" dirty="0"/>
+              <a:t>the device twin properties in accordance with the </a:t>
+            </a:r>
+            <a:r>
+              <a:rPr lang="en-US" dirty="0" smtClean="0"/>
+              <a:t>requirements.</a:t>
+            </a:r>
+          </a:p>
+          <a:p>
+            <a:pPr lvl="1"/>
+            <a:r>
+              <a:rPr lang="en-US" b="1" dirty="0" smtClean="0"/>
+              <a:t>Azure Data Lake Analytics</a:t>
+            </a:r>
+            <a:r>
+              <a:rPr lang="en-US" dirty="0" smtClean="0"/>
+              <a:t>: </a:t>
+            </a:r>
+            <a:r>
+              <a:rPr lang="es-ES" dirty="0"/>
+              <a:t>T</a:t>
+            </a:r>
+            <a:r>
+              <a:rPr lang="es-ES" dirty="0" smtClean="0"/>
+              <a:t>o </a:t>
+            </a:r>
+            <a:r>
+              <a:rPr lang="es-ES" dirty="0" err="1"/>
+              <a:t>perform</a:t>
+            </a:r>
+            <a:r>
+              <a:rPr lang="es-ES" dirty="0"/>
+              <a:t> </a:t>
+            </a:r>
+            <a:r>
+              <a:rPr lang="es-ES" dirty="0" err="1"/>
+              <a:t>deep</a:t>
+            </a:r>
+            <a:r>
+              <a:rPr lang="es-ES" dirty="0"/>
+              <a:t> </a:t>
+            </a:r>
+            <a:r>
+              <a:rPr lang="es-ES" dirty="0" err="1"/>
+              <a:t>analysis</a:t>
+            </a:r>
+            <a:r>
+              <a:rPr lang="es-ES" dirty="0"/>
+              <a:t> </a:t>
+            </a:r>
+            <a:r>
+              <a:rPr lang="es-ES" dirty="0" err="1"/>
+              <a:t>on</a:t>
+            </a:r>
+            <a:r>
+              <a:rPr lang="es-ES" dirty="0"/>
+              <a:t> </a:t>
+            </a:r>
+            <a:r>
+              <a:rPr lang="es-ES" dirty="0" err="1"/>
+              <a:t>the</a:t>
+            </a:r>
+            <a:r>
+              <a:rPr lang="es-ES" dirty="0"/>
+              <a:t> </a:t>
+            </a:r>
+            <a:r>
+              <a:rPr lang="es-ES" dirty="0" smtClean="0"/>
+              <a:t>data.</a:t>
             </a:r>
             <a:endParaRPr lang="en-US" dirty="0"/>
           </a:p>
